--- a/Chapter 03/310 - 枚举和嵌套类型.pptx
+++ b/Chapter 03/310 - 枚举和嵌套类型.pptx
@@ -15,9 +15,19 @@
     <p:sldId id="280" r:id="rId9"/>
     <p:sldId id="281" r:id="rId10"/>
     <p:sldId id="282" r:id="rId11"/>
-    <p:sldId id="283" r:id="rId12"/>
-    <p:sldId id="284" r:id="rId13"/>
-    <p:sldId id="276" r:id="rId14"/>
+    <p:sldId id="294" r:id="rId12"/>
+    <p:sldId id="283" r:id="rId13"/>
+    <p:sldId id="284" r:id="rId14"/>
+    <p:sldId id="285" r:id="rId15"/>
+    <p:sldId id="286" r:id="rId16"/>
+    <p:sldId id="287" r:id="rId17"/>
+    <p:sldId id="288" r:id="rId18"/>
+    <p:sldId id="289" r:id="rId19"/>
+    <p:sldId id="290" r:id="rId20"/>
+    <p:sldId id="291" r:id="rId21"/>
+    <p:sldId id="292" r:id="rId22"/>
+    <p:sldId id="293" r:id="rId23"/>
+    <p:sldId id="276" r:id="rId24"/>
   </p:sldIdLst>
   <p:sldSz cx="12192000" cy="6858000"/>
   <p:notesSz cx="6858000" cy="9144000"/>
@@ -3559,6 +3569,199 @@
           <p:cNvPr id="2" name="Title 1">
             <a:extLst>
               <a:ext uri="{FF2B5EF4-FFF2-40B4-BE49-F238E27FC236}">
+                <a16:creationId xmlns:a16="http://schemas.microsoft.com/office/drawing/2014/main" id="{15716D57-15A9-4236-A7FA-69438A9300D8}"/>
+              </a:ext>
+            </a:extLst>
+          </p:cNvPr>
+          <p:cNvSpPr>
+            <a:spLocks noGrp="1"/>
+          </p:cNvSpPr>
+          <p:nvPr>
+            <p:ph type="title"/>
+          </p:nvPr>
+        </p:nvSpPr>
+        <p:spPr/>
+        <p:txBody>
+          <a:bodyPr/>
+          <a:lstStyle/>
+          <a:p>
+            <a:r>
+              <a:rPr lang="en-US" altLang="zh-CN" dirty="0"/>
+              <a:t>Flags </a:t>
+            </a:r>
+            <a:r>
+              <a:rPr lang="en-US" altLang="zh-CN" dirty="0" err="1"/>
+              <a:t>enum</a:t>
+            </a:r>
+            <a:r>
+              <a:rPr lang="en-US" altLang="zh-CN" dirty="0"/>
+              <a:t> </a:t>
+            </a:r>
+            <a:r>
+              <a:rPr lang="zh-CN" altLang="en-US" dirty="0"/>
+              <a:t>底层原理</a:t>
+            </a:r>
+            <a:endParaRPr lang="en-US" dirty="0"/>
+          </a:p>
+        </p:txBody>
+      </p:sp>
+      <p:pic>
+        <p:nvPicPr>
+          <p:cNvPr id="5" name="Content Placeholder 4">
+            <a:extLst>
+              <a:ext uri="{FF2B5EF4-FFF2-40B4-BE49-F238E27FC236}">
+                <a16:creationId xmlns:a16="http://schemas.microsoft.com/office/drawing/2014/main" id="{B4E3F906-70EF-4DC5-9898-1B4B3655A615}"/>
+              </a:ext>
+            </a:extLst>
+          </p:cNvPr>
+          <p:cNvPicPr>
+            <a:picLocks noGrp="1" noChangeAspect="1"/>
+          </p:cNvPicPr>
+          <p:nvPr>
+            <p:ph idx="1"/>
+          </p:nvPr>
+        </p:nvPicPr>
+        <p:blipFill>
+          <a:blip r:embed="rId2"/>
+          <a:stretch>
+            <a:fillRect/>
+          </a:stretch>
+        </p:blipFill>
+        <p:spPr>
+          <a:xfrm>
+            <a:off x="2376620" y="4978780"/>
+            <a:ext cx="1762371" cy="914528"/>
+          </a:xfrm>
+          <a:prstGeom prst="rect">
+            <a:avLst/>
+          </a:prstGeom>
+        </p:spPr>
+      </p:pic>
+      <p:pic>
+        <p:nvPicPr>
+          <p:cNvPr id="4" name="Picture 3">
+            <a:extLst>
+              <a:ext uri="{FF2B5EF4-FFF2-40B4-BE49-F238E27FC236}">
+                <a16:creationId xmlns:a16="http://schemas.microsoft.com/office/drawing/2014/main" id="{37F9B06A-A1C4-4112-8A3D-423E32914699}"/>
+              </a:ext>
+            </a:extLst>
+          </p:cNvPr>
+          <p:cNvPicPr>
+            <a:picLocks noChangeAspect="1"/>
+          </p:cNvPicPr>
+          <p:nvPr/>
+        </p:nvPicPr>
+        <p:blipFill>
+          <a:blip r:embed="rId3"/>
+          <a:stretch>
+            <a:fillRect/>
+          </a:stretch>
+        </p:blipFill>
+        <p:spPr>
+          <a:xfrm>
+            <a:off x="2376620" y="2625307"/>
+            <a:ext cx="1933845" cy="1781424"/>
+          </a:xfrm>
+          <a:prstGeom prst="rect">
+            <a:avLst/>
+          </a:prstGeom>
+        </p:spPr>
+      </p:pic>
+      <p:pic>
+        <p:nvPicPr>
+          <p:cNvPr id="6" name="Picture 5">
+            <a:extLst>
+              <a:ext uri="{FF2B5EF4-FFF2-40B4-BE49-F238E27FC236}">
+                <a16:creationId xmlns:a16="http://schemas.microsoft.com/office/drawing/2014/main" id="{9B97D96B-584E-433F-A8BE-88215CC8FDF6}"/>
+              </a:ext>
+            </a:extLst>
+          </p:cNvPr>
+          <p:cNvPicPr>
+            <a:picLocks noChangeAspect="1"/>
+          </p:cNvPicPr>
+          <p:nvPr/>
+        </p:nvPicPr>
+        <p:blipFill>
+          <a:blip r:embed="rId4"/>
+          <a:stretch>
+            <a:fillRect/>
+          </a:stretch>
+        </p:blipFill>
+        <p:spPr>
+          <a:xfrm>
+            <a:off x="5439961" y="2504009"/>
+            <a:ext cx="4378450" cy="1607385"/>
+          </a:xfrm>
+          <a:prstGeom prst="rect">
+            <a:avLst/>
+          </a:prstGeom>
+        </p:spPr>
+      </p:pic>
+      <p:pic>
+        <p:nvPicPr>
+          <p:cNvPr id="7" name="Picture 6">
+            <a:extLst>
+              <a:ext uri="{FF2B5EF4-FFF2-40B4-BE49-F238E27FC236}">
+                <a16:creationId xmlns:a16="http://schemas.microsoft.com/office/drawing/2014/main" id="{D64D174C-E5CF-4D9F-BD47-05354921C550}"/>
+              </a:ext>
+            </a:extLst>
+          </p:cNvPr>
+          <p:cNvPicPr>
+            <a:picLocks noChangeAspect="1"/>
+          </p:cNvPicPr>
+          <p:nvPr/>
+        </p:nvPicPr>
+        <p:blipFill>
+          <a:blip r:embed="rId5"/>
+          <a:stretch>
+            <a:fillRect/>
+          </a:stretch>
+        </p:blipFill>
+        <p:spPr>
+          <a:xfrm>
+            <a:off x="5269357" y="4331362"/>
+            <a:ext cx="4691507" cy="1671686"/>
+          </a:xfrm>
+          <a:prstGeom prst="rect">
+            <a:avLst/>
+          </a:prstGeom>
+        </p:spPr>
+      </p:pic>
+    </p:spTree>
+    <p:extLst>
+      <p:ext uri="{BB962C8B-B14F-4D97-AF65-F5344CB8AC3E}">
+        <p14:creationId xmlns:p14="http://schemas.microsoft.com/office/powerpoint/2010/main" val="2361542099"/>
+      </p:ext>
+    </p:extLst>
+  </p:cSld>
+  <p:clrMapOvr>
+    <a:masterClrMapping/>
+  </p:clrMapOvr>
+</p:sld>
+</file>
+
+<file path=ppt/slides/slide12.xml><?xml version="1.0" encoding="utf-8"?>
+<p:sld xmlns:a="http://schemas.openxmlformats.org/drawingml/2006/main" xmlns:r="http://schemas.openxmlformats.org/officeDocument/2006/relationships" xmlns:p="http://schemas.openxmlformats.org/presentationml/2006/main">
+  <p:cSld>
+    <p:spTree>
+      <p:nvGrpSpPr>
+        <p:cNvPr id="1" name=""/>
+        <p:cNvGrpSpPr/>
+        <p:nvPr/>
+      </p:nvGrpSpPr>
+      <p:grpSpPr>
+        <a:xfrm>
+          <a:off x="0" y="0"/>
+          <a:ext cx="0" cy="0"/>
+          <a:chOff x="0" y="0"/>
+          <a:chExt cx="0" cy="0"/>
+        </a:xfrm>
+      </p:grpSpPr>
+      <p:sp>
+        <p:nvSpPr>
+          <p:cNvPr id="2" name="Title 1">
+            <a:extLst>
+              <a:ext uri="{FF2B5EF4-FFF2-40B4-BE49-F238E27FC236}">
                 <a16:creationId xmlns:a16="http://schemas.microsoft.com/office/drawing/2014/main" id="{8557B3FC-BA61-495E-BFD8-B7C0F21DC16C}"/>
               </a:ext>
             </a:extLst>
@@ -3675,7 +3878,7 @@
 </p:sld>
 </file>
 
-<file path=ppt/slides/slide12.xml><?xml version="1.0" encoding="utf-8"?>
+<file path=ppt/slides/slide13.xml><?xml version="1.0" encoding="utf-8"?>
 <p:sld xmlns:a="http://schemas.openxmlformats.org/drawingml/2006/main" xmlns:r="http://schemas.openxmlformats.org/officeDocument/2006/relationships" xmlns:p="http://schemas.openxmlformats.org/presentationml/2006/main">
   <p:cSld>
     <p:spTree>
@@ -3805,19 +4008,9 @@
 </p:sld>
 </file>
 
-<file path=ppt/slides/slide13.xml><?xml version="1.0" encoding="utf-8"?>
+<file path=ppt/slides/slide14.xml><?xml version="1.0" encoding="utf-8"?>
 <p:sld xmlns:a="http://schemas.openxmlformats.org/drawingml/2006/main" xmlns:r="http://schemas.openxmlformats.org/officeDocument/2006/relationships" xmlns:p="http://schemas.openxmlformats.org/presentationml/2006/main">
   <p:cSld>
-    <p:bg>
-      <p:bgPr>
-        <a:solidFill>
-          <a:schemeClr val="bg1">
-            <a:lumMod val="95000"/>
-          </a:schemeClr>
-        </a:solidFill>
-        <a:effectLst/>
-      </p:bgPr>
-    </p:bg>
     <p:spTree>
       <p:nvGrpSpPr>
         <p:cNvPr id="1" name=""/>
@@ -3837,7 +4030,7 @@
           <p:cNvPr id="2" name="Title 1">
             <a:extLst>
               <a:ext uri="{FF2B5EF4-FFF2-40B4-BE49-F238E27FC236}">
-                <a16:creationId xmlns:a16="http://schemas.microsoft.com/office/drawing/2014/main" id="{5937E5A3-5B52-412F-AA9F-8211189A4FB1}"/>
+                <a16:creationId xmlns:a16="http://schemas.microsoft.com/office/drawing/2014/main" id="{0B042373-3C37-49EA-9921-6654CB1B6293}"/>
               </a:ext>
             </a:extLst>
           </p:cNvPr>
@@ -3848,229 +4041,74 @@
             <p:ph type="title"/>
           </p:nvPr>
         </p:nvSpPr>
-        <p:spPr>
-          <a:xfrm>
-            <a:off x="804673" y="2404872"/>
-            <a:ext cx="3044952" cy="1627632"/>
-          </a:xfrm>
-        </p:spPr>
-        <p:txBody>
-          <a:bodyPr vert="horz" lIns="274320" tIns="182880" rIns="274320" bIns="182880" rtlCol="0" anchor="ctr" anchorCtr="1">
-            <a:normAutofit/>
-          </a:bodyPr>
-          <a:lstStyle/>
-          <a:p>
-            <a:r>
-              <a:rPr lang="en-US" altLang="zh-CN" sz="4000" dirty="0"/>
-              <a:t>Thanks</a:t>
-            </a:r>
-            <a:endParaRPr lang="en-US" sz="4000" dirty="0"/>
-          </a:p>
-        </p:txBody>
-      </p:sp>
-      <p:sp>
-        <p:nvSpPr>
-          <p:cNvPr id="4" name="Text Placeholder 3">
-            <a:extLst>
-              <a:ext uri="{FF2B5EF4-FFF2-40B4-BE49-F238E27FC236}">
-                <a16:creationId xmlns:a16="http://schemas.microsoft.com/office/drawing/2014/main" id="{59D9511E-A2A4-4351-B57B-F015EDF7BCAA}"/>
-              </a:ext>
-            </a:extLst>
-          </p:cNvPr>
-          <p:cNvSpPr>
-            <a:spLocks noGrp="1"/>
-          </p:cNvSpPr>
-          <p:nvPr>
-            <p:ph type="body" sz="half" idx="2"/>
-          </p:nvPr>
-        </p:nvSpPr>
-        <p:spPr>
-          <a:xfrm>
-            <a:off x="993088" y="4352544"/>
-            <a:ext cx="2668122" cy="1239894"/>
-          </a:xfrm>
-        </p:spPr>
-        <p:txBody>
-          <a:bodyPr vert="horz" lIns="91440" tIns="45720" rIns="91440" bIns="45720" rtlCol="0">
-            <a:normAutofit/>
-          </a:bodyPr>
-          <a:lstStyle/>
-          <a:p>
-            <a:r>
-              <a:rPr lang="zh-CN" altLang="en-US" sz="2800" dirty="0">
-                <a:solidFill>
-                  <a:schemeClr val="tx1">
-                    <a:lumMod val="75000"/>
-                    <a:lumOff val="25000"/>
-                  </a:schemeClr>
-                </a:solidFill>
-              </a:rPr>
-              <a:t>小程序 </a:t>
-            </a:r>
-            <a:r>
-              <a:rPr lang="en-US" altLang="zh-CN" sz="2800" dirty="0">
-                <a:solidFill>
-                  <a:schemeClr val="tx1">
-                    <a:lumMod val="75000"/>
-                    <a:lumOff val="25000"/>
-                  </a:schemeClr>
-                </a:solidFill>
-              </a:rPr>
-              <a:t>3.6</a:t>
-            </a:r>
-            <a:endParaRPr lang="en-US" sz="2800" dirty="0">
-              <a:solidFill>
-                <a:schemeClr val="tx1">
-                  <a:lumMod val="75000"/>
-                  <a:lumOff val="25000"/>
-                </a:schemeClr>
-              </a:solidFill>
-            </a:endParaRPr>
-          </a:p>
-        </p:txBody>
-      </p:sp>
-      <p:sp>
-        <p:nvSpPr>
-          <p:cNvPr id="11" name="Rectangle 10">
-            <a:extLst>
-              <a:ext uri="{FF2B5EF4-FFF2-40B4-BE49-F238E27FC236}">
-                <a16:creationId xmlns:a16="http://schemas.microsoft.com/office/drawing/2014/main" id="{8D237431-C20D-4825-9D88-A42523128ACA}"/>
-              </a:ext>
-              <a:ext uri="{C183D7F6-B498-43B3-948B-1728B52AA6E4}">
-                <adec:decorative xmlns:adec="http://schemas.microsoft.com/office/drawing/2017/decorative" val="1"/>
-              </a:ext>
-            </a:extLst>
-          </p:cNvPr>
-          <p:cNvSpPr>
-            <a:spLocks noGrp="1" noRot="1" noChangeAspect="1" noMove="1" noResize="1" noEditPoints="1" noAdjustHandles="1" noChangeArrowheads="1" noChangeShapeType="1" noTextEdit="1"/>
-          </p:cNvSpPr>
-          <p:nvPr>
-            <p:extLst>
-              <p:ext uri="{386F3935-93C4-4BCD-93E2-E3B085C9AB24}">
-                <p16:designElem xmlns:p16="http://schemas.microsoft.com/office/powerpoint/2015/main" val="1"/>
-              </p:ext>
-            </p:extLst>
-          </p:nvPr>
-        </p:nvSpPr>
-        <p:spPr>
-          <a:xfrm>
-            <a:off x="4654296" y="640080"/>
-            <a:ext cx="6897625" cy="5263134"/>
-          </a:xfrm>
-          <a:prstGeom prst="rect">
-            <a:avLst/>
-          </a:prstGeom>
-          <a:noFill/>
-          <a:ln w="31750" cap="sq">
-            <a:solidFill>
-              <a:srgbClr val="FFFFFF"/>
-            </a:solidFill>
-            <a:miter lim="800000"/>
-          </a:ln>
-        </p:spPr>
-        <p:style>
-          <a:lnRef idx="2">
-            <a:schemeClr val="accent1">
-              <a:shade val="50000"/>
-            </a:schemeClr>
-          </a:lnRef>
-          <a:fillRef idx="1">
-            <a:schemeClr val="accent1"/>
-          </a:fillRef>
-          <a:effectRef idx="0">
-            <a:schemeClr val="accent1"/>
-          </a:effectRef>
-          <a:fontRef idx="minor">
-            <a:schemeClr val="lt1"/>
-          </a:fontRef>
-        </p:style>
-        <p:txBody>
-          <a:bodyPr rtlCol="0" anchor="ctr"/>
-          <a:lstStyle/>
-          <a:p>
-            <a:pPr algn="ctr"/>
-            <a:endParaRPr lang="en-US" dirty="0"/>
-          </a:p>
-        </p:txBody>
-      </p:sp>
-      <p:sp>
-        <p:nvSpPr>
-          <p:cNvPr id="13" name="Rectangle 12">
-            <a:extLst>
-              <a:ext uri="{FF2B5EF4-FFF2-40B4-BE49-F238E27FC236}">
-                <a16:creationId xmlns:a16="http://schemas.microsoft.com/office/drawing/2014/main" id="{259CF673-DCD2-4E2E-B542-558305A8D659}"/>
-              </a:ext>
-              <a:ext uri="{C183D7F6-B498-43B3-948B-1728B52AA6E4}">
-                <adec:decorative xmlns:adec="http://schemas.microsoft.com/office/drawing/2017/decorative" val="1"/>
-              </a:ext>
-            </a:extLst>
-          </p:cNvPr>
-          <p:cNvSpPr>
-            <a:spLocks noGrp="1" noRot="1" noChangeAspect="1" noMove="1" noResize="1" noEditPoints="1" noAdjustHandles="1" noChangeArrowheads="1" noChangeShapeType="1" noTextEdit="1"/>
-          </p:cNvSpPr>
-          <p:nvPr>
-            <p:extLst>
-              <p:ext uri="{386F3935-93C4-4BCD-93E2-E3B085C9AB24}">
-                <p16:designElem xmlns:p16="http://schemas.microsoft.com/office/powerpoint/2015/main" val="1"/>
-              </p:ext>
-            </p:extLst>
-          </p:nvPr>
-        </p:nvSpPr>
-        <p:spPr>
-          <a:xfrm>
-            <a:off x="4820412" y="802767"/>
-            <a:ext cx="6565392" cy="4937760"/>
-          </a:xfrm>
-          <a:prstGeom prst="rect">
-            <a:avLst/>
-          </a:prstGeom>
-          <a:solidFill>
-            <a:srgbClr val="FFFFFF"/>
-          </a:solidFill>
-          <a:ln>
-            <a:noFill/>
-          </a:ln>
-        </p:spPr>
-        <p:style>
-          <a:lnRef idx="2">
-            <a:schemeClr val="accent1">
-              <a:shade val="50000"/>
-            </a:schemeClr>
-          </a:lnRef>
-          <a:fillRef idx="1">
-            <a:schemeClr val="accent1"/>
-          </a:fillRef>
-          <a:effectRef idx="0">
-            <a:schemeClr val="accent1"/>
-          </a:effectRef>
-          <a:fontRef idx="minor">
-            <a:schemeClr val="lt1"/>
-          </a:fontRef>
-        </p:style>
-        <p:txBody>
-          <a:bodyPr rtlCol="0" anchor="ctr"/>
-          <a:lstStyle/>
-          <a:p>
-            <a:pPr algn="ctr"/>
-            <a:endParaRPr lang="en-US"/>
+        <p:spPr/>
+        <p:txBody>
+          <a:bodyPr/>
+          <a:lstStyle/>
+          <a:p>
+            <a:r>
+              <a:rPr lang="zh-CN" altLang="en-US" dirty="0"/>
+              <a:t>枚举支持的操作符</a:t>
+            </a:r>
+            <a:endParaRPr lang="en-US" dirty="0"/>
+          </a:p>
+        </p:txBody>
+      </p:sp>
+      <p:sp>
+        <p:nvSpPr>
+          <p:cNvPr id="3" name="Content Placeholder 2">
+            <a:extLst>
+              <a:ext uri="{FF2B5EF4-FFF2-40B4-BE49-F238E27FC236}">
+                <a16:creationId xmlns:a16="http://schemas.microsoft.com/office/drawing/2014/main" id="{91AC7930-6648-44EB-81F7-C3204C87E80B}"/>
+              </a:ext>
+            </a:extLst>
+          </p:cNvPr>
+          <p:cNvSpPr>
+            <a:spLocks noGrp="1"/>
+          </p:cNvSpPr>
+          <p:nvPr>
+            <p:ph idx="1"/>
+          </p:nvPr>
+        </p:nvSpPr>
+        <p:spPr/>
+        <p:txBody>
+          <a:bodyPr/>
+          <a:lstStyle/>
+          <a:p>
+            <a:endParaRPr lang="en-US" dirty="0"/>
+          </a:p>
+          <a:p>
+            <a:endParaRPr lang="en-US" dirty="0"/>
+          </a:p>
+          <a:p>
+            <a:r>
+              <a:rPr lang="zh-CN" altLang="en-US" dirty="0"/>
+              <a:t>其中按位的、比较的、算术的操作符返回的都是处理底层值后得到的结果</a:t>
+            </a:r>
+            <a:endParaRPr lang="en-US" altLang="zh-CN" dirty="0"/>
+          </a:p>
+          <a:p>
+            <a:r>
+              <a:rPr lang="zh-CN" altLang="en-US" dirty="0"/>
+              <a:t>加法操作符只允许一个枚举和一个整形数值相加，两个枚举相加是不可以的</a:t>
+            </a:r>
+            <a:endParaRPr lang="en-US" dirty="0"/>
           </a:p>
         </p:txBody>
       </p:sp>
       <p:pic>
         <p:nvPicPr>
-          <p:cNvPr id="6" name="Content Placeholder 5">
-            <a:extLst>
-              <a:ext uri="{FF2B5EF4-FFF2-40B4-BE49-F238E27FC236}">
-                <a16:creationId xmlns:a16="http://schemas.microsoft.com/office/drawing/2014/main" id="{7ADC62F8-A970-44B5-8BBE-0D733C8E9BE8}"/>
+          <p:cNvPr id="4" name="Picture 3">
+            <a:extLst>
+              <a:ext uri="{FF2B5EF4-FFF2-40B4-BE49-F238E27FC236}">
+                <a16:creationId xmlns:a16="http://schemas.microsoft.com/office/drawing/2014/main" id="{5720A231-D12C-4CC8-B797-01F8CDDD5E63}"/>
               </a:ext>
             </a:extLst>
           </p:cNvPr>
           <p:cNvPicPr>
-            <a:picLocks noGrp="1" noChangeAspect="1"/>
+            <a:picLocks noChangeAspect="1"/>
           </p:cNvPicPr>
-          <p:nvPr>
-            <p:ph idx="1"/>
-          </p:nvPr>
+          <p:nvPr/>
         </p:nvPicPr>
         <p:blipFill>
           <a:blip r:embed="rId2"/>
@@ -4080,8 +4118,8 @@
         </p:blipFill>
         <p:spPr>
           <a:xfrm>
-            <a:off x="5954268" y="1122807"/>
-            <a:ext cx="4297680" cy="4297680"/>
+            <a:off x="2528389" y="2694670"/>
+            <a:ext cx="7135221" cy="695422"/>
           </a:xfrm>
           <a:prstGeom prst="rect">
             <a:avLst/>
@@ -4091,7 +4129,649 @@
     </p:spTree>
     <p:extLst>
       <p:ext uri="{BB962C8B-B14F-4D97-AF65-F5344CB8AC3E}">
-        <p14:creationId xmlns:p14="http://schemas.microsoft.com/office/powerpoint/2010/main" val="2230744192"/>
+        <p14:creationId xmlns:p14="http://schemas.microsoft.com/office/powerpoint/2010/main" val="3900985354"/>
+      </p:ext>
+    </p:extLst>
+  </p:cSld>
+  <p:clrMapOvr>
+    <a:masterClrMapping/>
+  </p:clrMapOvr>
+</p:sld>
+</file>
+
+<file path=ppt/slides/slide15.xml><?xml version="1.0" encoding="utf-8"?>
+<p:sld xmlns:a="http://schemas.openxmlformats.org/drawingml/2006/main" xmlns:r="http://schemas.openxmlformats.org/officeDocument/2006/relationships" xmlns:p="http://schemas.openxmlformats.org/presentationml/2006/main">
+  <p:cSld>
+    <p:spTree>
+      <p:nvGrpSpPr>
+        <p:cNvPr id="1" name=""/>
+        <p:cNvGrpSpPr/>
+        <p:nvPr/>
+      </p:nvGrpSpPr>
+      <p:grpSpPr>
+        <a:xfrm>
+          <a:off x="0" y="0"/>
+          <a:ext cx="0" cy="0"/>
+          <a:chOff x="0" y="0"/>
+          <a:chExt cx="0" cy="0"/>
+        </a:xfrm>
+      </p:grpSpPr>
+      <p:sp>
+        <p:nvSpPr>
+          <p:cNvPr id="2" name="Title 1">
+            <a:extLst>
+              <a:ext uri="{FF2B5EF4-FFF2-40B4-BE49-F238E27FC236}">
+                <a16:creationId xmlns:a16="http://schemas.microsoft.com/office/drawing/2014/main" id="{08C3E00E-76F7-477F-A5EF-0707D083AFBF}"/>
+              </a:ext>
+            </a:extLst>
+          </p:cNvPr>
+          <p:cNvSpPr>
+            <a:spLocks noGrp="1"/>
+          </p:cNvSpPr>
+          <p:nvPr>
+            <p:ph type="title"/>
+          </p:nvPr>
+        </p:nvSpPr>
+        <p:spPr/>
+        <p:txBody>
+          <a:bodyPr/>
+          <a:lstStyle/>
+          <a:p>
+            <a:r>
+              <a:rPr lang="zh-CN" altLang="en-US" dirty="0"/>
+              <a:t>类型安全的问题</a:t>
+            </a:r>
+            <a:endParaRPr lang="en-US" dirty="0"/>
+          </a:p>
+        </p:txBody>
+      </p:sp>
+      <p:pic>
+        <p:nvPicPr>
+          <p:cNvPr id="4" name="Content Placeholder 3">
+            <a:extLst>
+              <a:ext uri="{FF2B5EF4-FFF2-40B4-BE49-F238E27FC236}">
+                <a16:creationId xmlns:a16="http://schemas.microsoft.com/office/drawing/2014/main" id="{F09081B9-BAD8-4564-97B1-0024265FA99B}"/>
+              </a:ext>
+            </a:extLst>
+          </p:cNvPr>
+          <p:cNvPicPr>
+            <a:picLocks noGrp="1" noChangeAspect="1"/>
+          </p:cNvPicPr>
+          <p:nvPr>
+            <p:ph idx="1"/>
+          </p:nvPr>
+        </p:nvPicPr>
+        <p:blipFill>
+          <a:blip r:embed="rId2"/>
+          <a:stretch>
+            <a:fillRect/>
+          </a:stretch>
+        </p:blipFill>
+        <p:spPr>
+          <a:xfrm>
+            <a:off x="3212147" y="2418579"/>
+            <a:ext cx="5767706" cy="349323"/>
+          </a:xfrm>
+          <a:prstGeom prst="rect">
+            <a:avLst/>
+          </a:prstGeom>
+        </p:spPr>
+      </p:pic>
+      <p:pic>
+        <p:nvPicPr>
+          <p:cNvPr id="5" name="Picture 4">
+            <a:extLst>
+              <a:ext uri="{FF2B5EF4-FFF2-40B4-BE49-F238E27FC236}">
+                <a16:creationId xmlns:a16="http://schemas.microsoft.com/office/drawing/2014/main" id="{5ECF3D1B-C054-4477-B208-58CC61FA57FD}"/>
+              </a:ext>
+            </a:extLst>
+          </p:cNvPr>
+          <p:cNvPicPr>
+            <a:picLocks noChangeAspect="1"/>
+          </p:cNvPicPr>
+          <p:nvPr/>
+        </p:nvPicPr>
+        <p:blipFill>
+          <a:blip r:embed="rId3"/>
+          <a:stretch>
+            <a:fillRect/>
+          </a:stretch>
+        </p:blipFill>
+        <p:spPr>
+          <a:xfrm>
+            <a:off x="3273319" y="2930402"/>
+            <a:ext cx="5645361" cy="616933"/>
+          </a:xfrm>
+          <a:prstGeom prst="rect">
+            <a:avLst/>
+          </a:prstGeom>
+        </p:spPr>
+      </p:pic>
+      <p:pic>
+        <p:nvPicPr>
+          <p:cNvPr id="6" name="Picture 5">
+            <a:extLst>
+              <a:ext uri="{FF2B5EF4-FFF2-40B4-BE49-F238E27FC236}">
+                <a16:creationId xmlns:a16="http://schemas.microsoft.com/office/drawing/2014/main" id="{D1C3A31A-BE90-43DD-B722-FA353D100A63}"/>
+              </a:ext>
+            </a:extLst>
+          </p:cNvPr>
+          <p:cNvPicPr>
+            <a:picLocks noChangeAspect="1"/>
+          </p:cNvPicPr>
+          <p:nvPr/>
+        </p:nvPicPr>
+        <p:blipFill>
+          <a:blip r:embed="rId4"/>
+          <a:stretch>
+            <a:fillRect/>
+          </a:stretch>
+        </p:blipFill>
+        <p:spPr>
+          <a:xfrm>
+            <a:off x="3133161" y="3708859"/>
+            <a:ext cx="5925678" cy="541728"/>
+          </a:xfrm>
+          <a:prstGeom prst="rect">
+            <a:avLst/>
+          </a:prstGeom>
+        </p:spPr>
+      </p:pic>
+    </p:spTree>
+    <p:extLst>
+      <p:ext uri="{BB962C8B-B14F-4D97-AF65-F5344CB8AC3E}">
+        <p14:creationId xmlns:p14="http://schemas.microsoft.com/office/powerpoint/2010/main" val="2013107188"/>
+      </p:ext>
+    </p:extLst>
+  </p:cSld>
+  <p:clrMapOvr>
+    <a:masterClrMapping/>
+  </p:clrMapOvr>
+</p:sld>
+</file>
+
+<file path=ppt/slides/slide16.xml><?xml version="1.0" encoding="utf-8"?>
+<p:sld xmlns:a="http://schemas.openxmlformats.org/drawingml/2006/main" xmlns:r="http://schemas.openxmlformats.org/officeDocument/2006/relationships" xmlns:p="http://schemas.openxmlformats.org/presentationml/2006/main">
+  <p:cSld>
+    <p:spTree>
+      <p:nvGrpSpPr>
+        <p:cNvPr id="1" name=""/>
+        <p:cNvGrpSpPr/>
+        <p:nvPr/>
+      </p:nvGrpSpPr>
+      <p:grpSpPr>
+        <a:xfrm>
+          <a:off x="0" y="0"/>
+          <a:ext cx="0" cy="0"/>
+          <a:chOff x="0" y="0"/>
+          <a:chExt cx="0" cy="0"/>
+        </a:xfrm>
+      </p:grpSpPr>
+      <p:sp>
+        <p:nvSpPr>
+          <p:cNvPr id="2" name="Title 1">
+            <a:extLst>
+              <a:ext uri="{FF2B5EF4-FFF2-40B4-BE49-F238E27FC236}">
+                <a16:creationId xmlns:a16="http://schemas.microsoft.com/office/drawing/2014/main" id="{F3C7DB7C-B141-4EE4-880E-D33557FF5488}"/>
+              </a:ext>
+            </a:extLst>
+          </p:cNvPr>
+          <p:cNvSpPr>
+            <a:spLocks noGrp="1"/>
+          </p:cNvSpPr>
+          <p:nvPr>
+            <p:ph type="title"/>
+          </p:nvPr>
+        </p:nvSpPr>
+        <p:spPr/>
+        <p:txBody>
+          <a:bodyPr/>
+          <a:lstStyle/>
+          <a:p>
+            <a:r>
+              <a:rPr lang="zh-CN" altLang="en-US" dirty="0"/>
+              <a:t>类型安全的问题</a:t>
+            </a:r>
+            <a:endParaRPr lang="en-US" dirty="0"/>
+          </a:p>
+        </p:txBody>
+      </p:sp>
+      <p:sp>
+        <p:nvSpPr>
+          <p:cNvPr id="3" name="Content Placeholder 2">
+            <a:extLst>
+              <a:ext uri="{FF2B5EF4-FFF2-40B4-BE49-F238E27FC236}">
+                <a16:creationId xmlns:a16="http://schemas.microsoft.com/office/drawing/2014/main" id="{CFEA82B2-B7D5-4484-82FE-6651303CD288}"/>
+              </a:ext>
+            </a:extLst>
+          </p:cNvPr>
+          <p:cNvSpPr>
+            <a:spLocks noGrp="1"/>
+          </p:cNvSpPr>
+          <p:nvPr>
+            <p:ph idx="1"/>
+          </p:nvPr>
+        </p:nvSpPr>
+        <p:spPr/>
+        <p:txBody>
+          <a:bodyPr/>
+          <a:lstStyle/>
+          <a:p>
+            <a:r>
+              <a:rPr lang="zh-CN" altLang="en-US" dirty="0"/>
+              <a:t>检查枚举值的合理性：</a:t>
+            </a:r>
+            <a:r>
+              <a:rPr lang="en-US" dirty="0" err="1"/>
+              <a:t>Enum.IsDefined</a:t>
+            </a:r>
+            <a:r>
+              <a:rPr lang="en-US" dirty="0"/>
+              <a:t>()</a:t>
+            </a:r>
+            <a:r>
+              <a:rPr lang="zh-CN" altLang="en-US" dirty="0"/>
+              <a:t>静态方法。</a:t>
+            </a:r>
+            <a:endParaRPr lang="en-US" altLang="zh-CN" dirty="0"/>
+          </a:p>
+          <a:p>
+            <a:endParaRPr lang="en-US" dirty="0"/>
+          </a:p>
+          <a:p>
+            <a:endParaRPr lang="en-US" dirty="0"/>
+          </a:p>
+          <a:p>
+            <a:endParaRPr lang="en-US" dirty="0"/>
+          </a:p>
+          <a:p>
+            <a:pPr lvl="1"/>
+            <a:r>
+              <a:rPr lang="zh-CN" altLang="en-US" dirty="0"/>
+              <a:t>据说不支持</a:t>
+            </a:r>
+            <a:r>
+              <a:rPr lang="en-US" altLang="zh-CN" dirty="0"/>
+              <a:t>flags </a:t>
+            </a:r>
+            <a:r>
+              <a:rPr lang="en-US" altLang="zh-CN" dirty="0" err="1"/>
+              <a:t>enum</a:t>
+            </a:r>
+            <a:br>
+              <a:rPr lang="en-US" dirty="0"/>
+            </a:br>
+            <a:endParaRPr lang="en-US" dirty="0"/>
+          </a:p>
+        </p:txBody>
+      </p:sp>
+      <p:pic>
+        <p:nvPicPr>
+          <p:cNvPr id="4" name="Picture 3">
+            <a:extLst>
+              <a:ext uri="{FF2B5EF4-FFF2-40B4-BE49-F238E27FC236}">
+                <a16:creationId xmlns:a16="http://schemas.microsoft.com/office/drawing/2014/main" id="{67EBE938-FF08-4162-B3EB-BF4EF1C0DB57}"/>
+              </a:ext>
+            </a:extLst>
+          </p:cNvPr>
+          <p:cNvPicPr>
+            <a:picLocks noChangeAspect="1"/>
+          </p:cNvPicPr>
+          <p:nvPr/>
+        </p:nvPicPr>
+        <p:blipFill>
+          <a:blip r:embed="rId2"/>
+          <a:stretch>
+            <a:fillRect/>
+          </a:stretch>
+        </p:blipFill>
+        <p:spPr>
+          <a:xfrm>
+            <a:off x="1955772" y="3210240"/>
+            <a:ext cx="8280456" cy="656187"/>
+          </a:xfrm>
+          <a:prstGeom prst="rect">
+            <a:avLst/>
+          </a:prstGeom>
+        </p:spPr>
+      </p:pic>
+    </p:spTree>
+    <p:extLst>
+      <p:ext uri="{BB962C8B-B14F-4D97-AF65-F5344CB8AC3E}">
+        <p14:creationId xmlns:p14="http://schemas.microsoft.com/office/powerpoint/2010/main" val="479976951"/>
+      </p:ext>
+    </p:extLst>
+  </p:cSld>
+  <p:clrMapOvr>
+    <a:masterClrMapping/>
+  </p:clrMapOvr>
+</p:sld>
+</file>
+
+<file path=ppt/slides/slide17.xml><?xml version="1.0" encoding="utf-8"?>
+<p:sld xmlns:a="http://schemas.openxmlformats.org/drawingml/2006/main" xmlns:r="http://schemas.openxmlformats.org/officeDocument/2006/relationships" xmlns:p="http://schemas.openxmlformats.org/presentationml/2006/main">
+  <p:cSld>
+    <p:spTree>
+      <p:nvGrpSpPr>
+        <p:cNvPr id="1" name=""/>
+        <p:cNvGrpSpPr/>
+        <p:nvPr/>
+      </p:nvGrpSpPr>
+      <p:grpSpPr>
+        <a:xfrm>
+          <a:off x="0" y="0"/>
+          <a:ext cx="0" cy="0"/>
+          <a:chOff x="0" y="0"/>
+          <a:chExt cx="0" cy="0"/>
+        </a:xfrm>
+      </p:grpSpPr>
+      <p:sp>
+        <p:nvSpPr>
+          <p:cNvPr id="2" name="Title 1">
+            <a:extLst>
+              <a:ext uri="{FF2B5EF4-FFF2-40B4-BE49-F238E27FC236}">
+                <a16:creationId xmlns:a16="http://schemas.microsoft.com/office/drawing/2014/main" id="{3BF5F8A8-7802-4DFE-B9C5-5C4587F953B0}"/>
+              </a:ext>
+            </a:extLst>
+          </p:cNvPr>
+          <p:cNvSpPr>
+            <a:spLocks noGrp="1"/>
+          </p:cNvSpPr>
+          <p:nvPr>
+            <p:ph type="ctrTitle"/>
+          </p:nvPr>
+        </p:nvSpPr>
+        <p:spPr/>
+        <p:txBody>
+          <a:bodyPr/>
+          <a:lstStyle/>
+          <a:p>
+            <a:r>
+              <a:rPr lang="zh-CN" altLang="en-US" dirty="0"/>
+              <a:t>嵌套类型</a:t>
+            </a:r>
+            <a:endParaRPr lang="en-US" dirty="0"/>
+          </a:p>
+        </p:txBody>
+      </p:sp>
+      <p:sp>
+        <p:nvSpPr>
+          <p:cNvPr id="3" name="Subtitle 2">
+            <a:extLst>
+              <a:ext uri="{FF2B5EF4-FFF2-40B4-BE49-F238E27FC236}">
+                <a16:creationId xmlns:a16="http://schemas.microsoft.com/office/drawing/2014/main" id="{73EE491C-CE3A-4DDB-A3AC-EAB559AB5DB1}"/>
+              </a:ext>
+            </a:extLst>
+          </p:cNvPr>
+          <p:cNvSpPr>
+            <a:spLocks noGrp="1"/>
+          </p:cNvSpPr>
+          <p:nvPr>
+            <p:ph type="subTitle" idx="1"/>
+          </p:nvPr>
+        </p:nvSpPr>
+        <p:spPr/>
+        <p:txBody>
+          <a:bodyPr/>
+          <a:lstStyle/>
+          <a:p>
+            <a:endParaRPr lang="en-US"/>
+          </a:p>
+        </p:txBody>
+      </p:sp>
+    </p:spTree>
+    <p:extLst>
+      <p:ext uri="{BB962C8B-B14F-4D97-AF65-F5344CB8AC3E}">
+        <p14:creationId xmlns:p14="http://schemas.microsoft.com/office/powerpoint/2010/main" val="3923759429"/>
+      </p:ext>
+    </p:extLst>
+  </p:cSld>
+  <p:clrMapOvr>
+    <a:masterClrMapping/>
+  </p:clrMapOvr>
+</p:sld>
+</file>
+
+<file path=ppt/slides/slide18.xml><?xml version="1.0" encoding="utf-8"?>
+<p:sld xmlns:a="http://schemas.openxmlformats.org/drawingml/2006/main" xmlns:r="http://schemas.openxmlformats.org/officeDocument/2006/relationships" xmlns:p="http://schemas.openxmlformats.org/presentationml/2006/main">
+  <p:cSld>
+    <p:spTree>
+      <p:nvGrpSpPr>
+        <p:cNvPr id="1" name=""/>
+        <p:cNvGrpSpPr/>
+        <p:nvPr/>
+      </p:nvGrpSpPr>
+      <p:grpSpPr>
+        <a:xfrm>
+          <a:off x="0" y="0"/>
+          <a:ext cx="0" cy="0"/>
+          <a:chOff x="0" y="0"/>
+          <a:chExt cx="0" cy="0"/>
+        </a:xfrm>
+      </p:grpSpPr>
+      <p:sp>
+        <p:nvSpPr>
+          <p:cNvPr id="2" name="Title 1">
+            <a:extLst>
+              <a:ext uri="{FF2B5EF4-FFF2-40B4-BE49-F238E27FC236}">
+                <a16:creationId xmlns:a16="http://schemas.microsoft.com/office/drawing/2014/main" id="{857FFEDB-D5CD-4CDB-B4EE-782D1097CC9C}"/>
+              </a:ext>
+            </a:extLst>
+          </p:cNvPr>
+          <p:cNvSpPr>
+            <a:spLocks noGrp="1"/>
+          </p:cNvSpPr>
+          <p:nvPr>
+            <p:ph type="title"/>
+          </p:nvPr>
+        </p:nvSpPr>
+        <p:spPr/>
+        <p:txBody>
+          <a:bodyPr/>
+          <a:lstStyle/>
+          <a:p>
+            <a:r>
+              <a:rPr lang="zh-CN" altLang="en-US" dirty="0"/>
+              <a:t>什么是嵌套类型</a:t>
+            </a:r>
+            <a:endParaRPr lang="en-US" dirty="0"/>
+          </a:p>
+        </p:txBody>
+      </p:sp>
+      <p:sp>
+        <p:nvSpPr>
+          <p:cNvPr id="3" name="Content Placeholder 2">
+            <a:extLst>
+              <a:ext uri="{FF2B5EF4-FFF2-40B4-BE49-F238E27FC236}">
+                <a16:creationId xmlns:a16="http://schemas.microsoft.com/office/drawing/2014/main" id="{1221BE2E-ACC5-4F53-83A2-E5B755922AA1}"/>
+              </a:ext>
+            </a:extLst>
+          </p:cNvPr>
+          <p:cNvSpPr>
+            <a:spLocks noGrp="1"/>
+          </p:cNvSpPr>
+          <p:nvPr>
+            <p:ph idx="1"/>
+          </p:nvPr>
+        </p:nvSpPr>
+        <p:spPr/>
+        <p:txBody>
+          <a:bodyPr/>
+          <a:lstStyle/>
+          <a:p>
+            <a:r>
+              <a:rPr lang="zh-CN" altLang="en-US" dirty="0"/>
+              <a:t>嵌套类型就是声明在另一个类型作用范围内的类型</a:t>
+            </a:r>
+            <a:endParaRPr lang="en-US" dirty="0"/>
+          </a:p>
+        </p:txBody>
+      </p:sp>
+      <p:pic>
+        <p:nvPicPr>
+          <p:cNvPr id="4" name="Picture 3">
+            <a:extLst>
+              <a:ext uri="{FF2B5EF4-FFF2-40B4-BE49-F238E27FC236}">
+                <a16:creationId xmlns:a16="http://schemas.microsoft.com/office/drawing/2014/main" id="{D59C1DDD-0E88-4797-8415-5C58C7054340}"/>
+              </a:ext>
+            </a:extLst>
+          </p:cNvPr>
+          <p:cNvPicPr>
+            <a:picLocks noChangeAspect="1"/>
+          </p:cNvPicPr>
+          <p:nvPr/>
+        </p:nvPicPr>
+        <p:blipFill>
+          <a:blip r:embed="rId2"/>
+          <a:stretch>
+            <a:fillRect/>
+          </a:stretch>
+        </p:blipFill>
+        <p:spPr>
+          <a:xfrm>
+            <a:off x="2819569" y="3289815"/>
+            <a:ext cx="6552862" cy="1510325"/>
+          </a:xfrm>
+          <a:prstGeom prst="rect">
+            <a:avLst/>
+          </a:prstGeom>
+        </p:spPr>
+      </p:pic>
+    </p:spTree>
+    <p:extLst>
+      <p:ext uri="{BB962C8B-B14F-4D97-AF65-F5344CB8AC3E}">
+        <p14:creationId xmlns:p14="http://schemas.microsoft.com/office/powerpoint/2010/main" val="1601399004"/>
+      </p:ext>
+    </p:extLst>
+  </p:cSld>
+  <p:clrMapOvr>
+    <a:masterClrMapping/>
+  </p:clrMapOvr>
+</p:sld>
+</file>
+
+<file path=ppt/slides/slide19.xml><?xml version="1.0" encoding="utf-8"?>
+<p:sld xmlns:a="http://schemas.openxmlformats.org/drawingml/2006/main" xmlns:r="http://schemas.openxmlformats.org/officeDocument/2006/relationships" xmlns:p="http://schemas.openxmlformats.org/presentationml/2006/main">
+  <p:cSld>
+    <p:spTree>
+      <p:nvGrpSpPr>
+        <p:cNvPr id="1" name=""/>
+        <p:cNvGrpSpPr/>
+        <p:nvPr/>
+      </p:nvGrpSpPr>
+      <p:grpSpPr>
+        <a:xfrm>
+          <a:off x="0" y="0"/>
+          <a:ext cx="0" cy="0"/>
+          <a:chOff x="0" y="0"/>
+          <a:chExt cx="0" cy="0"/>
+        </a:xfrm>
+      </p:grpSpPr>
+      <p:sp>
+        <p:nvSpPr>
+          <p:cNvPr id="2" name="Title 1">
+            <a:extLst>
+              <a:ext uri="{FF2B5EF4-FFF2-40B4-BE49-F238E27FC236}">
+                <a16:creationId xmlns:a16="http://schemas.microsoft.com/office/drawing/2014/main" id="{6602F8F2-B848-4D58-88D2-7D2640EDFF07}"/>
+              </a:ext>
+            </a:extLst>
+          </p:cNvPr>
+          <p:cNvSpPr>
+            <a:spLocks noGrp="1"/>
+          </p:cNvSpPr>
+          <p:nvPr>
+            <p:ph type="title"/>
+          </p:nvPr>
+        </p:nvSpPr>
+        <p:spPr/>
+        <p:txBody>
+          <a:bodyPr/>
+          <a:lstStyle/>
+          <a:p>
+            <a:r>
+              <a:rPr lang="zh-CN" altLang="en-US" dirty="0"/>
+              <a:t>嵌套类型的特性</a:t>
+            </a:r>
+            <a:endParaRPr lang="en-US" dirty="0"/>
+          </a:p>
+        </p:txBody>
+      </p:sp>
+      <p:sp>
+        <p:nvSpPr>
+          <p:cNvPr id="3" name="Content Placeholder 2">
+            <a:extLst>
+              <a:ext uri="{FF2B5EF4-FFF2-40B4-BE49-F238E27FC236}">
+                <a16:creationId xmlns:a16="http://schemas.microsoft.com/office/drawing/2014/main" id="{5CBDF0D4-399C-4FA7-B84B-BE17E6F6AB2F}"/>
+              </a:ext>
+            </a:extLst>
+          </p:cNvPr>
+          <p:cNvSpPr>
+            <a:spLocks noGrp="1"/>
+          </p:cNvSpPr>
+          <p:nvPr>
+            <p:ph idx="1"/>
+          </p:nvPr>
+        </p:nvSpPr>
+        <p:spPr/>
+        <p:txBody>
+          <a:bodyPr/>
+          <a:lstStyle/>
+          <a:p>
+            <a:r>
+              <a:rPr lang="zh-CN" altLang="en-US" dirty="0"/>
+              <a:t>可访问封闭类型的私有成员，以及任何封闭类型能访问的东西</a:t>
+            </a:r>
+            <a:endParaRPr lang="en-US" altLang="zh-CN" dirty="0"/>
+          </a:p>
+          <a:p>
+            <a:r>
+              <a:rPr lang="zh-CN" altLang="en-US" dirty="0"/>
+              <a:t>可以使用所有的访问修饰符来声明，不仅仅是</a:t>
+            </a:r>
+            <a:r>
+              <a:rPr lang="en-US" altLang="zh-CN" dirty="0"/>
+              <a:t>public</a:t>
+            </a:r>
+            <a:r>
+              <a:rPr lang="zh-CN" altLang="en-US" dirty="0"/>
+              <a:t>和</a:t>
+            </a:r>
+            <a:r>
+              <a:rPr lang="en-US" altLang="zh-CN" dirty="0"/>
+              <a:t>internal</a:t>
+            </a:r>
+          </a:p>
+          <a:p>
+            <a:r>
+              <a:rPr lang="zh-CN" altLang="en-US" dirty="0"/>
+              <a:t>嵌套类型的默认访问级别是</a:t>
+            </a:r>
+            <a:r>
+              <a:rPr lang="en-US" altLang="zh-CN" dirty="0"/>
+              <a:t>private</a:t>
+            </a:r>
+            <a:r>
+              <a:rPr lang="zh-CN" altLang="en-US" dirty="0"/>
+              <a:t>而不是</a:t>
+            </a:r>
+            <a:r>
+              <a:rPr lang="en-US" altLang="zh-CN" dirty="0"/>
+              <a:t>internal</a:t>
+            </a:r>
+          </a:p>
+          <a:p>
+            <a:r>
+              <a:rPr lang="zh-CN" altLang="en-US" dirty="0"/>
+              <a:t>从封闭类型外边访问嵌套类型需要使用到封闭类型的名称</a:t>
+            </a:r>
+            <a:endParaRPr lang="en-US" dirty="0"/>
+          </a:p>
+        </p:txBody>
+      </p:sp>
+    </p:spTree>
+    <p:extLst>
+      <p:ext uri="{BB962C8B-B14F-4D97-AF65-F5344CB8AC3E}">
+        <p14:creationId xmlns:p14="http://schemas.microsoft.com/office/powerpoint/2010/main" val="1749899773"/>
       </p:ext>
     </p:extLst>
   </p:cSld>
@@ -4404,6 +5084,802 @@
     <p:extLst>
       <p:ext uri="{BB962C8B-B14F-4D97-AF65-F5344CB8AC3E}">
         <p14:creationId xmlns:p14="http://schemas.microsoft.com/office/powerpoint/2010/main" val="3554919755"/>
+      </p:ext>
+    </p:extLst>
+  </p:cSld>
+  <p:clrMapOvr>
+    <a:masterClrMapping/>
+  </p:clrMapOvr>
+</p:sld>
+</file>
+
+<file path=ppt/slides/slide20.xml><?xml version="1.0" encoding="utf-8"?>
+<p:sld xmlns:a="http://schemas.openxmlformats.org/drawingml/2006/main" xmlns:r="http://schemas.openxmlformats.org/officeDocument/2006/relationships" xmlns:p="http://schemas.openxmlformats.org/presentationml/2006/main">
+  <p:cSld>
+    <p:spTree>
+      <p:nvGrpSpPr>
+        <p:cNvPr id="1" name=""/>
+        <p:cNvGrpSpPr/>
+        <p:nvPr/>
+      </p:nvGrpSpPr>
+      <p:grpSpPr>
+        <a:xfrm>
+          <a:off x="0" y="0"/>
+          <a:ext cx="0" cy="0"/>
+          <a:chOff x="0" y="0"/>
+          <a:chExt cx="0" cy="0"/>
+        </a:xfrm>
+      </p:grpSpPr>
+      <p:sp>
+        <p:nvSpPr>
+          <p:cNvPr id="2" name="Title 1">
+            <a:extLst>
+              <a:ext uri="{FF2B5EF4-FFF2-40B4-BE49-F238E27FC236}">
+                <a16:creationId xmlns:a16="http://schemas.microsoft.com/office/drawing/2014/main" id="{55082E5D-094F-464F-853F-47C233CBC685}"/>
+              </a:ext>
+            </a:extLst>
+          </p:cNvPr>
+          <p:cNvSpPr>
+            <a:spLocks noGrp="1"/>
+          </p:cNvSpPr>
+          <p:nvPr>
+            <p:ph type="title"/>
+          </p:nvPr>
+        </p:nvSpPr>
+        <p:spPr/>
+        <p:txBody>
+          <a:bodyPr/>
+          <a:lstStyle/>
+          <a:p>
+            <a:r>
+              <a:rPr lang="zh-CN" altLang="en-US" dirty="0"/>
+              <a:t>嵌套类型的例子</a:t>
+            </a:r>
+            <a:endParaRPr lang="en-US" dirty="0"/>
+          </a:p>
+        </p:txBody>
+      </p:sp>
+      <p:sp>
+        <p:nvSpPr>
+          <p:cNvPr id="3" name="Content Placeholder 2">
+            <a:extLst>
+              <a:ext uri="{FF2B5EF4-FFF2-40B4-BE49-F238E27FC236}">
+                <a16:creationId xmlns:a16="http://schemas.microsoft.com/office/drawing/2014/main" id="{265A09FB-7E1C-4797-8B05-8DDCE7C2F556}"/>
+              </a:ext>
+            </a:extLst>
+          </p:cNvPr>
+          <p:cNvSpPr>
+            <a:spLocks noGrp="1"/>
+          </p:cNvSpPr>
+          <p:nvPr>
+            <p:ph idx="1"/>
+          </p:nvPr>
+        </p:nvSpPr>
+        <p:spPr/>
+        <p:txBody>
+          <a:bodyPr/>
+          <a:lstStyle/>
+          <a:p>
+            <a:endParaRPr lang="en-US"/>
+          </a:p>
+        </p:txBody>
+      </p:sp>
+      <p:pic>
+        <p:nvPicPr>
+          <p:cNvPr id="4" name="Picture 3">
+            <a:extLst>
+              <a:ext uri="{FF2B5EF4-FFF2-40B4-BE49-F238E27FC236}">
+                <a16:creationId xmlns:a16="http://schemas.microsoft.com/office/drawing/2014/main" id="{398A0DDB-4F55-4574-B77F-F6D28308D033}"/>
+              </a:ext>
+            </a:extLst>
+          </p:cNvPr>
+          <p:cNvPicPr>
+            <a:picLocks noChangeAspect="1"/>
+          </p:cNvPicPr>
+          <p:nvPr/>
+        </p:nvPicPr>
+        <p:blipFill>
+          <a:blip r:embed="rId2"/>
+          <a:stretch>
+            <a:fillRect/>
+          </a:stretch>
+        </p:blipFill>
+        <p:spPr>
+          <a:xfrm>
+            <a:off x="2231136" y="2638044"/>
+            <a:ext cx="4283370" cy="976717"/>
+          </a:xfrm>
+          <a:prstGeom prst="rect">
+            <a:avLst/>
+          </a:prstGeom>
+        </p:spPr>
+      </p:pic>
+      <p:pic>
+        <p:nvPicPr>
+          <p:cNvPr id="5" name="Picture 4">
+            <a:extLst>
+              <a:ext uri="{FF2B5EF4-FFF2-40B4-BE49-F238E27FC236}">
+                <a16:creationId xmlns:a16="http://schemas.microsoft.com/office/drawing/2014/main" id="{21973A86-7A2B-483C-BEC5-28588C3A3347}"/>
+              </a:ext>
+            </a:extLst>
+          </p:cNvPr>
+          <p:cNvPicPr>
+            <a:picLocks noChangeAspect="1"/>
+          </p:cNvPicPr>
+          <p:nvPr/>
+        </p:nvPicPr>
+        <p:blipFill>
+          <a:blip r:embed="rId3"/>
+          <a:stretch>
+            <a:fillRect/>
+          </a:stretch>
+        </p:blipFill>
+        <p:spPr>
+          <a:xfrm>
+            <a:off x="2231136" y="3733100"/>
+            <a:ext cx="4192974" cy="253267"/>
+          </a:xfrm>
+          <a:prstGeom prst="rect">
+            <a:avLst/>
+          </a:prstGeom>
+        </p:spPr>
+      </p:pic>
+      <p:pic>
+        <p:nvPicPr>
+          <p:cNvPr id="6" name="Picture 5">
+            <a:extLst>
+              <a:ext uri="{FF2B5EF4-FFF2-40B4-BE49-F238E27FC236}">
+                <a16:creationId xmlns:a16="http://schemas.microsoft.com/office/drawing/2014/main" id="{0BB1D57E-3C4D-403D-836D-F4E96ECD9B42}"/>
+              </a:ext>
+            </a:extLst>
+          </p:cNvPr>
+          <p:cNvPicPr>
+            <a:picLocks noChangeAspect="1"/>
+          </p:cNvPicPr>
+          <p:nvPr/>
+        </p:nvPicPr>
+        <p:blipFill>
+          <a:blip r:embed="rId4"/>
+          <a:stretch>
+            <a:fillRect/>
+          </a:stretch>
+        </p:blipFill>
+        <p:spPr>
+          <a:xfrm>
+            <a:off x="5684549" y="4126156"/>
+            <a:ext cx="4192975" cy="1473769"/>
+          </a:xfrm>
+          <a:prstGeom prst="rect">
+            <a:avLst/>
+          </a:prstGeom>
+        </p:spPr>
+      </p:pic>
+    </p:spTree>
+    <p:extLst>
+      <p:ext uri="{BB962C8B-B14F-4D97-AF65-F5344CB8AC3E}">
+        <p14:creationId xmlns:p14="http://schemas.microsoft.com/office/powerpoint/2010/main" val="381050174"/>
+      </p:ext>
+    </p:extLst>
+  </p:cSld>
+  <p:clrMapOvr>
+    <a:masterClrMapping/>
+  </p:clrMapOvr>
+</p:sld>
+</file>
+
+<file path=ppt/slides/slide21.xml><?xml version="1.0" encoding="utf-8"?>
+<p:sld xmlns:a="http://schemas.openxmlformats.org/drawingml/2006/main" xmlns:r="http://schemas.openxmlformats.org/officeDocument/2006/relationships" xmlns:p="http://schemas.openxmlformats.org/presentationml/2006/main">
+  <p:cSld>
+    <p:spTree>
+      <p:nvGrpSpPr>
+        <p:cNvPr id="1" name=""/>
+        <p:cNvGrpSpPr/>
+        <p:nvPr/>
+      </p:nvGrpSpPr>
+      <p:grpSpPr>
+        <a:xfrm>
+          <a:off x="0" y="0"/>
+          <a:ext cx="0" cy="0"/>
+          <a:chOff x="0" y="0"/>
+          <a:chExt cx="0" cy="0"/>
+        </a:xfrm>
+      </p:grpSpPr>
+      <p:sp>
+        <p:nvSpPr>
+          <p:cNvPr id="2" name="Title 1">
+            <a:extLst>
+              <a:ext uri="{FF2B5EF4-FFF2-40B4-BE49-F238E27FC236}">
+                <a16:creationId xmlns:a16="http://schemas.microsoft.com/office/drawing/2014/main" id="{3BEF90F4-619E-4442-A3AA-6439AA312950}"/>
+              </a:ext>
+            </a:extLst>
+          </p:cNvPr>
+          <p:cNvSpPr>
+            <a:spLocks noGrp="1"/>
+          </p:cNvSpPr>
+          <p:nvPr>
+            <p:ph type="title"/>
+          </p:nvPr>
+        </p:nvSpPr>
+        <p:spPr/>
+        <p:txBody>
+          <a:bodyPr/>
+          <a:lstStyle/>
+          <a:p>
+            <a:r>
+              <a:rPr lang="zh-CN" altLang="en-US" dirty="0"/>
+              <a:t>嵌套类型的例子</a:t>
+            </a:r>
+            <a:endParaRPr lang="en-US" dirty="0"/>
+          </a:p>
+        </p:txBody>
+      </p:sp>
+      <p:sp>
+        <p:nvSpPr>
+          <p:cNvPr id="3" name="Content Placeholder 2">
+            <a:extLst>
+              <a:ext uri="{FF2B5EF4-FFF2-40B4-BE49-F238E27FC236}">
+                <a16:creationId xmlns:a16="http://schemas.microsoft.com/office/drawing/2014/main" id="{F68EBD83-9C92-4BFC-9EBC-7305704B1840}"/>
+              </a:ext>
+            </a:extLst>
+          </p:cNvPr>
+          <p:cNvSpPr>
+            <a:spLocks noGrp="1"/>
+          </p:cNvSpPr>
+          <p:nvPr>
+            <p:ph idx="1"/>
+          </p:nvPr>
+        </p:nvSpPr>
+        <p:spPr/>
+        <p:txBody>
+          <a:bodyPr/>
+          <a:lstStyle/>
+          <a:p>
+            <a:endParaRPr lang="en-US"/>
+          </a:p>
+        </p:txBody>
+      </p:sp>
+      <p:pic>
+        <p:nvPicPr>
+          <p:cNvPr id="4" name="Picture 3">
+            <a:extLst>
+              <a:ext uri="{FF2B5EF4-FFF2-40B4-BE49-F238E27FC236}">
+                <a16:creationId xmlns:a16="http://schemas.microsoft.com/office/drawing/2014/main" id="{B9BF4ACC-AFD5-49C9-AA11-AD25965B8E9B}"/>
+              </a:ext>
+            </a:extLst>
+          </p:cNvPr>
+          <p:cNvPicPr>
+            <a:picLocks noChangeAspect="1"/>
+          </p:cNvPicPr>
+          <p:nvPr/>
+        </p:nvPicPr>
+        <p:blipFill>
+          <a:blip r:embed="rId2"/>
+          <a:stretch>
+            <a:fillRect/>
+          </a:stretch>
+        </p:blipFill>
+        <p:spPr>
+          <a:xfrm>
+            <a:off x="2231136" y="2500604"/>
+            <a:ext cx="4483262" cy="2106593"/>
+          </a:xfrm>
+          <a:prstGeom prst="rect">
+            <a:avLst/>
+          </a:prstGeom>
+        </p:spPr>
+      </p:pic>
+      <p:pic>
+        <p:nvPicPr>
+          <p:cNvPr id="5" name="Picture 4">
+            <a:extLst>
+              <a:ext uri="{FF2B5EF4-FFF2-40B4-BE49-F238E27FC236}">
+                <a16:creationId xmlns:a16="http://schemas.microsoft.com/office/drawing/2014/main" id="{0903F40F-F35D-40C3-8DDE-73390323DFB9}"/>
+              </a:ext>
+            </a:extLst>
+          </p:cNvPr>
+          <p:cNvPicPr>
+            <a:picLocks noChangeAspect="1"/>
+          </p:cNvPicPr>
+          <p:nvPr/>
+        </p:nvPicPr>
+        <p:blipFill>
+          <a:blip r:embed="rId3"/>
+          <a:stretch>
+            <a:fillRect/>
+          </a:stretch>
+        </p:blipFill>
+        <p:spPr>
+          <a:xfrm>
+            <a:off x="7547888" y="3797558"/>
+            <a:ext cx="2162316" cy="1826479"/>
+          </a:xfrm>
+          <a:prstGeom prst="rect">
+            <a:avLst/>
+          </a:prstGeom>
+        </p:spPr>
+      </p:pic>
+    </p:spTree>
+    <p:extLst>
+      <p:ext uri="{BB962C8B-B14F-4D97-AF65-F5344CB8AC3E}">
+        <p14:creationId xmlns:p14="http://schemas.microsoft.com/office/powerpoint/2010/main" val="2771836463"/>
+      </p:ext>
+    </p:extLst>
+  </p:cSld>
+  <p:clrMapOvr>
+    <a:masterClrMapping/>
+  </p:clrMapOvr>
+</p:sld>
+</file>
+
+<file path=ppt/slides/slide22.xml><?xml version="1.0" encoding="utf-8"?>
+<p:sld xmlns:a="http://schemas.openxmlformats.org/drawingml/2006/main" xmlns:r="http://schemas.openxmlformats.org/officeDocument/2006/relationships" xmlns:p="http://schemas.openxmlformats.org/presentationml/2006/main">
+  <p:cSld>
+    <p:spTree>
+      <p:nvGrpSpPr>
+        <p:cNvPr id="1" name=""/>
+        <p:cNvGrpSpPr/>
+        <p:nvPr/>
+      </p:nvGrpSpPr>
+      <p:grpSpPr>
+        <a:xfrm>
+          <a:off x="0" y="0"/>
+          <a:ext cx="0" cy="0"/>
+          <a:chOff x="0" y="0"/>
+          <a:chExt cx="0" cy="0"/>
+        </a:xfrm>
+      </p:grpSpPr>
+      <p:sp>
+        <p:nvSpPr>
+          <p:cNvPr id="2" name="Title 1">
+            <a:extLst>
+              <a:ext uri="{FF2B5EF4-FFF2-40B4-BE49-F238E27FC236}">
+                <a16:creationId xmlns:a16="http://schemas.microsoft.com/office/drawing/2014/main" id="{C5CC25ED-A8F6-4A89-8F6D-BCD775107179}"/>
+              </a:ext>
+            </a:extLst>
+          </p:cNvPr>
+          <p:cNvSpPr>
+            <a:spLocks noGrp="1"/>
+          </p:cNvSpPr>
+          <p:nvPr>
+            <p:ph type="title"/>
+          </p:nvPr>
+        </p:nvSpPr>
+        <p:spPr/>
+        <p:txBody>
+          <a:bodyPr/>
+          <a:lstStyle/>
+          <a:p>
+            <a:r>
+              <a:rPr lang="zh-CN" altLang="en-US" dirty="0"/>
+              <a:t>思考题</a:t>
+            </a:r>
+            <a:endParaRPr lang="en-US" dirty="0"/>
+          </a:p>
+        </p:txBody>
+      </p:sp>
+      <p:sp>
+        <p:nvSpPr>
+          <p:cNvPr id="3" name="Content Placeholder 2">
+            <a:extLst>
+              <a:ext uri="{FF2B5EF4-FFF2-40B4-BE49-F238E27FC236}">
+                <a16:creationId xmlns:a16="http://schemas.microsoft.com/office/drawing/2014/main" id="{0ED0A008-F37E-4085-9597-BB41BEE8C714}"/>
+              </a:ext>
+            </a:extLst>
+          </p:cNvPr>
+          <p:cNvSpPr>
+            <a:spLocks noGrp="1"/>
+          </p:cNvSpPr>
+          <p:nvPr>
+            <p:ph idx="1"/>
+          </p:nvPr>
+        </p:nvSpPr>
+        <p:spPr/>
+        <p:txBody>
+          <a:bodyPr/>
+          <a:lstStyle/>
+          <a:p>
+            <a:endParaRPr lang="en-US" altLang="zh-CN" dirty="0"/>
+          </a:p>
+          <a:p>
+            <a:endParaRPr lang="en-US" altLang="zh-CN" dirty="0"/>
+          </a:p>
+          <a:p>
+            <a:r>
+              <a:rPr lang="zh-CN" altLang="en-US" dirty="0"/>
+              <a:t>如何把上面这个枚举类型变成一个含有其所有成员</a:t>
+            </a:r>
+            <a:r>
+              <a:rPr lang="en-US" altLang="zh-CN" dirty="0"/>
+              <a:t>/</a:t>
+            </a:r>
+            <a:r>
+              <a:rPr lang="zh-CN" altLang="en-US" dirty="0"/>
+              <a:t>底层数值的集合？</a:t>
+            </a:r>
+            <a:r>
+              <a:rPr lang="en-US" dirty="0"/>
+              <a:t> </a:t>
+            </a:r>
+          </a:p>
+          <a:p>
+            <a:r>
+              <a:rPr lang="en-US" dirty="0"/>
+              <a:t>[</a:t>
+            </a:r>
+            <a:r>
+              <a:rPr lang="en-US" dirty="0" err="1"/>
+              <a:t>BorderSide.Left</a:t>
+            </a:r>
+            <a:r>
+              <a:rPr lang="en-US" dirty="0"/>
+              <a:t>, </a:t>
+            </a:r>
+            <a:r>
+              <a:rPr lang="en-US" dirty="0" err="1"/>
+              <a:t>BorderSide.Right</a:t>
+            </a:r>
+            <a:r>
+              <a:rPr lang="en-US" dirty="0"/>
+              <a:t>, </a:t>
+            </a:r>
+            <a:r>
+              <a:rPr lang="en-US" dirty="0" err="1"/>
+              <a:t>BorderSide</a:t>
+            </a:r>
+            <a:r>
+              <a:rPr lang="en-US" dirty="0"/>
+              <a:t>. Top, </a:t>
+            </a:r>
+            <a:r>
+              <a:rPr lang="en-US" dirty="0" err="1"/>
+              <a:t>BorderSide</a:t>
+            </a:r>
+            <a:r>
+              <a:rPr lang="en-US" dirty="0"/>
+              <a:t>. Bottom]</a:t>
+            </a:r>
+          </a:p>
+          <a:p>
+            <a:r>
+              <a:rPr lang="en-US" dirty="0"/>
+              <a:t>[0,1,2,3]</a:t>
+            </a:r>
+          </a:p>
+          <a:p>
+            <a:endParaRPr lang="en-US" dirty="0"/>
+          </a:p>
+        </p:txBody>
+      </p:sp>
+      <p:pic>
+        <p:nvPicPr>
+          <p:cNvPr id="6" name="Picture 5">
+            <a:extLst>
+              <a:ext uri="{FF2B5EF4-FFF2-40B4-BE49-F238E27FC236}">
+                <a16:creationId xmlns:a16="http://schemas.microsoft.com/office/drawing/2014/main" id="{CCE4E5F5-AD9C-4485-BA34-B6F81E58FE88}"/>
+              </a:ext>
+            </a:extLst>
+          </p:cNvPr>
+          <p:cNvPicPr>
+            <a:picLocks noChangeAspect="1"/>
+          </p:cNvPicPr>
+          <p:nvPr/>
+        </p:nvPicPr>
+        <p:blipFill>
+          <a:blip r:embed="rId2"/>
+          <a:stretch>
+            <a:fillRect/>
+          </a:stretch>
+        </p:blipFill>
+        <p:spPr>
+          <a:xfrm>
+            <a:off x="2503718" y="2804735"/>
+            <a:ext cx="6916115" cy="409632"/>
+          </a:xfrm>
+          <a:prstGeom prst="rect">
+            <a:avLst/>
+          </a:prstGeom>
+        </p:spPr>
+      </p:pic>
+    </p:spTree>
+    <p:extLst>
+      <p:ext uri="{BB962C8B-B14F-4D97-AF65-F5344CB8AC3E}">
+        <p14:creationId xmlns:p14="http://schemas.microsoft.com/office/powerpoint/2010/main" val="3869723154"/>
+      </p:ext>
+    </p:extLst>
+  </p:cSld>
+  <p:clrMapOvr>
+    <a:masterClrMapping/>
+  </p:clrMapOvr>
+</p:sld>
+</file>
+
+<file path=ppt/slides/slide23.xml><?xml version="1.0" encoding="utf-8"?>
+<p:sld xmlns:a="http://schemas.openxmlformats.org/drawingml/2006/main" xmlns:r="http://schemas.openxmlformats.org/officeDocument/2006/relationships" xmlns:p="http://schemas.openxmlformats.org/presentationml/2006/main">
+  <p:cSld>
+    <p:bg>
+      <p:bgPr>
+        <a:solidFill>
+          <a:schemeClr val="bg1">
+            <a:lumMod val="95000"/>
+          </a:schemeClr>
+        </a:solidFill>
+        <a:effectLst/>
+      </p:bgPr>
+    </p:bg>
+    <p:spTree>
+      <p:nvGrpSpPr>
+        <p:cNvPr id="1" name=""/>
+        <p:cNvGrpSpPr/>
+        <p:nvPr/>
+      </p:nvGrpSpPr>
+      <p:grpSpPr>
+        <a:xfrm>
+          <a:off x="0" y="0"/>
+          <a:ext cx="0" cy="0"/>
+          <a:chOff x="0" y="0"/>
+          <a:chExt cx="0" cy="0"/>
+        </a:xfrm>
+      </p:grpSpPr>
+      <p:sp>
+        <p:nvSpPr>
+          <p:cNvPr id="2" name="Title 1">
+            <a:extLst>
+              <a:ext uri="{FF2B5EF4-FFF2-40B4-BE49-F238E27FC236}">
+                <a16:creationId xmlns:a16="http://schemas.microsoft.com/office/drawing/2014/main" id="{5937E5A3-5B52-412F-AA9F-8211189A4FB1}"/>
+              </a:ext>
+            </a:extLst>
+          </p:cNvPr>
+          <p:cNvSpPr>
+            <a:spLocks noGrp="1"/>
+          </p:cNvSpPr>
+          <p:nvPr>
+            <p:ph type="title"/>
+          </p:nvPr>
+        </p:nvSpPr>
+        <p:spPr>
+          <a:xfrm>
+            <a:off x="804673" y="2404872"/>
+            <a:ext cx="3044952" cy="1627632"/>
+          </a:xfrm>
+        </p:spPr>
+        <p:txBody>
+          <a:bodyPr vert="horz" lIns="274320" tIns="182880" rIns="274320" bIns="182880" rtlCol="0" anchor="ctr" anchorCtr="1">
+            <a:normAutofit/>
+          </a:bodyPr>
+          <a:lstStyle/>
+          <a:p>
+            <a:r>
+              <a:rPr lang="en-US" altLang="zh-CN" sz="4000" dirty="0"/>
+              <a:t>Thanks</a:t>
+            </a:r>
+            <a:endParaRPr lang="en-US" sz="4000" dirty="0"/>
+          </a:p>
+        </p:txBody>
+      </p:sp>
+      <p:sp>
+        <p:nvSpPr>
+          <p:cNvPr id="4" name="Text Placeholder 3">
+            <a:extLst>
+              <a:ext uri="{FF2B5EF4-FFF2-40B4-BE49-F238E27FC236}">
+                <a16:creationId xmlns:a16="http://schemas.microsoft.com/office/drawing/2014/main" id="{59D9511E-A2A4-4351-B57B-F015EDF7BCAA}"/>
+              </a:ext>
+            </a:extLst>
+          </p:cNvPr>
+          <p:cNvSpPr>
+            <a:spLocks noGrp="1"/>
+          </p:cNvSpPr>
+          <p:nvPr>
+            <p:ph type="body" sz="half" idx="2"/>
+          </p:nvPr>
+        </p:nvSpPr>
+        <p:spPr>
+          <a:xfrm>
+            <a:off x="993088" y="4352544"/>
+            <a:ext cx="2668122" cy="1239894"/>
+          </a:xfrm>
+        </p:spPr>
+        <p:txBody>
+          <a:bodyPr vert="horz" lIns="91440" tIns="45720" rIns="91440" bIns="45720" rtlCol="0">
+            <a:normAutofit/>
+          </a:bodyPr>
+          <a:lstStyle/>
+          <a:p>
+            <a:r>
+              <a:rPr lang="zh-CN" altLang="en-US" sz="2800" dirty="0">
+                <a:solidFill>
+                  <a:schemeClr val="tx1">
+                    <a:lumMod val="75000"/>
+                    <a:lumOff val="25000"/>
+                  </a:schemeClr>
+                </a:solidFill>
+              </a:rPr>
+              <a:t>小程序 </a:t>
+            </a:r>
+            <a:r>
+              <a:rPr lang="en-US" altLang="zh-CN" sz="2800" dirty="0">
+                <a:solidFill>
+                  <a:schemeClr val="tx1">
+                    <a:lumMod val="75000"/>
+                    <a:lumOff val="25000"/>
+                  </a:schemeClr>
+                </a:solidFill>
+              </a:rPr>
+              <a:t>3.6</a:t>
+            </a:r>
+            <a:endParaRPr lang="en-US" sz="2800" dirty="0">
+              <a:solidFill>
+                <a:schemeClr val="tx1">
+                  <a:lumMod val="75000"/>
+                  <a:lumOff val="25000"/>
+                </a:schemeClr>
+              </a:solidFill>
+            </a:endParaRPr>
+          </a:p>
+        </p:txBody>
+      </p:sp>
+      <p:sp>
+        <p:nvSpPr>
+          <p:cNvPr id="11" name="Rectangle 10">
+            <a:extLst>
+              <a:ext uri="{FF2B5EF4-FFF2-40B4-BE49-F238E27FC236}">
+                <a16:creationId xmlns:a16="http://schemas.microsoft.com/office/drawing/2014/main" id="{8D237431-C20D-4825-9D88-A42523128ACA}"/>
+              </a:ext>
+              <a:ext uri="{C183D7F6-B498-43B3-948B-1728B52AA6E4}">
+                <adec:decorative xmlns:adec="http://schemas.microsoft.com/office/drawing/2017/decorative" val="1"/>
+              </a:ext>
+            </a:extLst>
+          </p:cNvPr>
+          <p:cNvSpPr>
+            <a:spLocks noGrp="1" noRot="1" noChangeAspect="1" noMove="1" noResize="1" noEditPoints="1" noAdjustHandles="1" noChangeArrowheads="1" noChangeShapeType="1" noTextEdit="1"/>
+          </p:cNvSpPr>
+          <p:nvPr>
+            <p:extLst>
+              <p:ext uri="{386F3935-93C4-4BCD-93E2-E3B085C9AB24}">
+                <p16:designElem xmlns:p16="http://schemas.microsoft.com/office/powerpoint/2015/main" val="1"/>
+              </p:ext>
+            </p:extLst>
+          </p:nvPr>
+        </p:nvSpPr>
+        <p:spPr>
+          <a:xfrm>
+            <a:off x="4654296" y="640080"/>
+            <a:ext cx="6897625" cy="5263134"/>
+          </a:xfrm>
+          <a:prstGeom prst="rect">
+            <a:avLst/>
+          </a:prstGeom>
+          <a:noFill/>
+          <a:ln w="31750" cap="sq">
+            <a:solidFill>
+              <a:srgbClr val="FFFFFF"/>
+            </a:solidFill>
+            <a:miter lim="800000"/>
+          </a:ln>
+        </p:spPr>
+        <p:style>
+          <a:lnRef idx="2">
+            <a:schemeClr val="accent1">
+              <a:shade val="50000"/>
+            </a:schemeClr>
+          </a:lnRef>
+          <a:fillRef idx="1">
+            <a:schemeClr val="accent1"/>
+          </a:fillRef>
+          <a:effectRef idx="0">
+            <a:schemeClr val="accent1"/>
+          </a:effectRef>
+          <a:fontRef idx="minor">
+            <a:schemeClr val="lt1"/>
+          </a:fontRef>
+        </p:style>
+        <p:txBody>
+          <a:bodyPr rtlCol="0" anchor="ctr"/>
+          <a:lstStyle/>
+          <a:p>
+            <a:pPr algn="ctr"/>
+            <a:endParaRPr lang="en-US" dirty="0"/>
+          </a:p>
+        </p:txBody>
+      </p:sp>
+      <p:sp>
+        <p:nvSpPr>
+          <p:cNvPr id="13" name="Rectangle 12">
+            <a:extLst>
+              <a:ext uri="{FF2B5EF4-FFF2-40B4-BE49-F238E27FC236}">
+                <a16:creationId xmlns:a16="http://schemas.microsoft.com/office/drawing/2014/main" id="{259CF673-DCD2-4E2E-B542-558305A8D659}"/>
+              </a:ext>
+              <a:ext uri="{C183D7F6-B498-43B3-948B-1728B52AA6E4}">
+                <adec:decorative xmlns:adec="http://schemas.microsoft.com/office/drawing/2017/decorative" val="1"/>
+              </a:ext>
+            </a:extLst>
+          </p:cNvPr>
+          <p:cNvSpPr>
+            <a:spLocks noGrp="1" noRot="1" noChangeAspect="1" noMove="1" noResize="1" noEditPoints="1" noAdjustHandles="1" noChangeArrowheads="1" noChangeShapeType="1" noTextEdit="1"/>
+          </p:cNvSpPr>
+          <p:nvPr>
+            <p:extLst>
+              <p:ext uri="{386F3935-93C4-4BCD-93E2-E3B085C9AB24}">
+                <p16:designElem xmlns:p16="http://schemas.microsoft.com/office/powerpoint/2015/main" val="1"/>
+              </p:ext>
+            </p:extLst>
+          </p:nvPr>
+        </p:nvSpPr>
+        <p:spPr>
+          <a:xfrm>
+            <a:off x="4820412" y="802767"/>
+            <a:ext cx="6565392" cy="4937760"/>
+          </a:xfrm>
+          <a:prstGeom prst="rect">
+            <a:avLst/>
+          </a:prstGeom>
+          <a:solidFill>
+            <a:srgbClr val="FFFFFF"/>
+          </a:solidFill>
+          <a:ln>
+            <a:noFill/>
+          </a:ln>
+        </p:spPr>
+        <p:style>
+          <a:lnRef idx="2">
+            <a:schemeClr val="accent1">
+              <a:shade val="50000"/>
+            </a:schemeClr>
+          </a:lnRef>
+          <a:fillRef idx="1">
+            <a:schemeClr val="accent1"/>
+          </a:fillRef>
+          <a:effectRef idx="0">
+            <a:schemeClr val="accent1"/>
+          </a:effectRef>
+          <a:fontRef idx="minor">
+            <a:schemeClr val="lt1"/>
+          </a:fontRef>
+        </p:style>
+        <p:txBody>
+          <a:bodyPr rtlCol="0" anchor="ctr"/>
+          <a:lstStyle/>
+          <a:p>
+            <a:pPr algn="ctr"/>
+            <a:endParaRPr lang="en-US"/>
+          </a:p>
+        </p:txBody>
+      </p:sp>
+      <p:pic>
+        <p:nvPicPr>
+          <p:cNvPr id="6" name="Content Placeholder 5">
+            <a:extLst>
+              <a:ext uri="{FF2B5EF4-FFF2-40B4-BE49-F238E27FC236}">
+                <a16:creationId xmlns:a16="http://schemas.microsoft.com/office/drawing/2014/main" id="{7ADC62F8-A970-44B5-8BBE-0D733C8E9BE8}"/>
+              </a:ext>
+            </a:extLst>
+          </p:cNvPr>
+          <p:cNvPicPr>
+            <a:picLocks noGrp="1" noChangeAspect="1"/>
+          </p:cNvPicPr>
+          <p:nvPr>
+            <p:ph idx="1"/>
+          </p:nvPr>
+        </p:nvPicPr>
+        <p:blipFill>
+          <a:blip r:embed="rId2"/>
+          <a:stretch>
+            <a:fillRect/>
+          </a:stretch>
+        </p:blipFill>
+        <p:spPr>
+          <a:xfrm>
+            <a:off x="5954268" y="1122807"/>
+            <a:ext cx="4297680" cy="4297680"/>
+          </a:xfrm>
+          <a:prstGeom prst="rect">
+            <a:avLst/>
+          </a:prstGeom>
+        </p:spPr>
+      </p:pic>
+    </p:spTree>
+    <p:extLst>
+      <p:ext uri="{BB962C8B-B14F-4D97-AF65-F5344CB8AC3E}">
+        <p14:creationId xmlns:p14="http://schemas.microsoft.com/office/powerpoint/2010/main" val="2230744192"/>
       </p:ext>
     </p:extLst>
   </p:cSld>
@@ -5048,7 +6524,27 @@
           <a:p>
             <a:r>
               <a:rPr lang="zh-CN" altLang="en-US" dirty="0"/>
-              <a:t>每个枚举都对应一个底层的整形数值。默认情况下：</a:t>
+              <a:t>每个枚举都对应一个底层的整形数值</a:t>
+            </a:r>
+            <a:r>
+              <a:rPr lang="en-US" altLang="zh-CN" dirty="0"/>
+              <a:t>(</a:t>
+            </a:r>
+            <a:r>
+              <a:rPr lang="en-US" dirty="0" err="1"/>
+              <a:t>Enum.GetUnderlyingType</a:t>
+            </a:r>
+            <a:r>
+              <a:rPr lang="en-US" dirty="0"/>
+              <a:t>()</a:t>
+            </a:r>
+            <a:r>
+              <a:rPr lang="en-US" altLang="zh-CN" dirty="0"/>
+              <a:t>)</a:t>
+            </a:r>
+            <a:r>
+              <a:rPr lang="zh-CN" altLang="en-US" dirty="0"/>
+              <a:t>。默认：</a:t>
             </a:r>
             <a:endParaRPr lang="en-US" altLang="zh-CN" dirty="0"/>
           </a:p>
